--- a/Vízforraló Szimulátor Fejlesztése.pptx
+++ b/Vízforraló Szimulátor Fejlesztése.pptx
@@ -111,6 +111,11 @@
       </a:defRPr>
     </a:lvl9pPr>
   </p:defaultTextStyle>
+  <p:extLst>
+    <p:ext uri="{EFAFB233-063F-42B5-8137-9DF3F51BA10A}">
+      <p15:sldGuideLst xmlns:p15="http://schemas.microsoft.com/office/powerpoint/2012/main"/>
+    </p:ext>
+  </p:extLst>
 </p:presentation>
 </file>
 
@@ -5711,6 +5716,29 @@
 <file path=ppt/slides/slide1.xml><?xml version="1.0" encoding="utf-8"?>
 <p:sld xmlns:a="http://schemas.openxmlformats.org/drawingml/2006/main" xmlns:r="http://schemas.openxmlformats.org/officeDocument/2006/relationships" xmlns:p="http://schemas.openxmlformats.org/presentationml/2006/main">
   <p:cSld>
+    <p:bg>
+      <p:bgPr>
+        <a:blipFill rotWithShape="1">
+          <a:blip r:embed="rId2">
+            <a:duotone>
+              <a:schemeClr val="bg2">
+                <a:shade val="28000"/>
+                <a:satMod val="94000"/>
+                <a:lumMod val="20000"/>
+              </a:schemeClr>
+              <a:schemeClr val="bg2">
+                <a:tint val="94000"/>
+                <a:shade val="84000"/>
+                <a:satMod val="148000"/>
+                <a:lumMod val="114000"/>
+              </a:schemeClr>
+            </a:duotone>
+          </a:blip>
+          <a:stretch/>
+        </a:blipFill>
+        <a:effectLst/>
+      </p:bgPr>
+    </p:bg>
     <p:spTree>
       <p:nvGrpSpPr>
         <p:cNvPr id="1" name=""/>
@@ -5725,6 +5753,45 @@
           <a:chExt cx="0" cy="0"/>
         </a:xfrm>
       </p:grpSpPr>
+      <p:pic>
+        <p:nvPicPr>
+          <p:cNvPr id="5" name="Kép 4" descr="A képen konyhaedények, fazék, teáskanna, fedél látható&#10;&#10;Automatikusan generált leírás">
+            <a:extLst>
+              <a:ext uri="{FF2B5EF4-FFF2-40B4-BE49-F238E27FC236}">
+                <a16:creationId xmlns:a16="http://schemas.microsoft.com/office/drawing/2014/main" id="{D980B426-B4BA-10E1-84FA-95C37B1C575B}"/>
+              </a:ext>
+            </a:extLst>
+          </p:cNvPr>
+          <p:cNvPicPr>
+            <a:picLocks noChangeAspect="1"/>
+          </p:cNvPicPr>
+          <p:nvPr/>
+        </p:nvPicPr>
+        <p:blipFill>
+          <a:blip r:embed="rId3">
+            <a:alphaModFix amt="15000"/>
+            <a:extLst>
+              <a:ext uri="{28A0092B-C50C-407E-A947-70E740481C1C}">
+                <a14:useLocalDpi xmlns:a14="http://schemas.microsoft.com/office/drawing/2010/main" val="0"/>
+              </a:ext>
+              <a:ext uri="{837473B0-CC2E-450A-ABE3-18F120FF3D39}">
+                <a1611:picAttrSrcUrl xmlns:a1611="http://schemas.microsoft.com/office/drawing/2016/11/main" r:id="rId4"/>
+              </a:ext>
+            </a:extLst>
+          </a:blip>
+          <a:srcRect t="18757" b="24137"/>
+          <a:stretch/>
+        </p:blipFill>
+        <p:spPr>
+          <a:xfrm>
+            <a:off x="20" y="10"/>
+            <a:ext cx="12191980" cy="6857990"/>
+          </a:xfrm>
+          <a:prstGeom prst="rect">
+            <a:avLst/>
+          </a:prstGeom>
+        </p:spPr>
+      </p:pic>
       <p:sp>
         <p:nvSpPr>
           <p:cNvPr id="2" name="Cím 1">
@@ -5743,12 +5810,14 @@
         </p:nvSpPr>
         <p:spPr>
           <a:xfrm>
-            <a:off x="1751012" y="832103"/>
-            <a:ext cx="8676222" cy="1679449"/>
+            <a:off x="1751012" y="609601"/>
+            <a:ext cx="8676222" cy="3200400"/>
           </a:xfrm>
         </p:spPr>
         <p:txBody>
-          <a:bodyPr/>
+          <a:bodyPr>
+            <a:normAutofit/>
+          </a:bodyPr>
           <a:lstStyle/>
           <a:p>
             <a:r>
@@ -5778,12 +5847,14 @@
         </p:nvSpPr>
         <p:spPr>
           <a:xfrm>
-            <a:off x="2125916" y="5795772"/>
-            <a:ext cx="8676222" cy="460249"/>
+            <a:off x="1751012" y="3886200"/>
+            <a:ext cx="8676222" cy="1905000"/>
           </a:xfrm>
         </p:spPr>
         <p:txBody>
-          <a:bodyPr/>
+          <a:bodyPr>
+            <a:normAutofit/>
+          </a:bodyPr>
           <a:lstStyle/>
           <a:p>
             <a:r>
@@ -5861,9 +5932,10 @@
           <a:lstStyle/>
           <a:p>
             <a:r>
-              <a:rPr lang="hu-HU" sz="3600" dirty="0"/>
+              <a:rPr lang="hu-HU" sz="3600"/>
               <a:t>A hőmérséklet változása és az energiafogyasztás szimulálása</a:t>
             </a:r>
+            <a:endParaRPr lang="hu-HU" sz="3600" dirty="0"/>
           </a:p>
         </p:txBody>
       </p:sp>
@@ -5894,12 +5966,16 @@
           <a:lstStyle/>
           <a:p>
             <a:r>
-              <a:rPr lang="hu-HU" dirty="0">
+              <a:rPr lang="hu-HU">
                 <a:latin typeface="Times New Roman" panose="02020603050405020304" pitchFamily="18" charset="0"/>
                 <a:cs typeface="Times New Roman" panose="02020603050405020304" pitchFamily="18" charset="0"/>
               </a:rPr>
               <a:t>Feladat, egy elektromos vízforraló működésének szimulálása JavaScript, HTML és CSS segítségével.</a:t>
             </a:r>
+            <a:endParaRPr lang="hu-HU" dirty="0">
+              <a:latin typeface="Times New Roman" panose="02020603050405020304" pitchFamily="18" charset="0"/>
+              <a:cs typeface="Times New Roman" panose="02020603050405020304" pitchFamily="18" charset="0"/>
+            </a:endParaRPr>
           </a:p>
         </p:txBody>
       </p:sp>
@@ -5913,6 +5989,18 @@
   <p:clrMapOvr>
     <a:masterClrMapping/>
   </p:clrMapOvr>
+  <mc:AlternateContent xmlns:mc="http://schemas.openxmlformats.org/markup-compatibility/2006">
+    <mc:Choice xmlns:p14="http://schemas.microsoft.com/office/powerpoint/2010/main" Requires="p14">
+      <p:transition spd="slow" p14:dur="1500">
+        <p:split orient="vert"/>
+      </p:transition>
+    </mc:Choice>
+    <mc:Fallback>
+      <p:transition spd="slow">
+        <p:split orient="vert"/>
+      </p:transition>
+    </mc:Fallback>
+  </mc:AlternateContent>
 </p:sld>
 </file>
 
@@ -7506,6 +7594,18 @@
   <p:clrMapOvr>
     <a:masterClrMapping/>
   </p:clrMapOvr>
+  <mc:AlternateContent xmlns:mc="http://schemas.openxmlformats.org/markup-compatibility/2006">
+    <mc:Choice xmlns:p14="http://schemas.microsoft.com/office/powerpoint/2010/main" Requires="p14">
+      <p:transition spd="slow" p14:dur="800">
+        <p:circle/>
+      </p:transition>
+    </mc:Choice>
+    <mc:Fallback>
+      <p:transition spd="slow">
+        <p:circle/>
+      </p:transition>
+    </mc:Fallback>
+  </mc:AlternateContent>
 </p:sld>
 </file>
 
